--- a/intro.pptx
+++ b/intro.pptx
@@ -6543,58 +6543,51 @@
           <a:p>
             <a:pPr algn="l"/>
             <a:r>
-              <a:rPr lang="ja-JP" altLang="en-US" sz="11733">
+              <a:rPr lang="ja-JP" altLang="en-US" sz="11700">
                 <a:solidFill>
                   <a:schemeClr val="bg1">
                     <a:lumMod val="10000"/>
                     <a:lumOff val="90000"/>
                   </a:schemeClr>
                 </a:solidFill>
+                <a:latin typeface="Meiryo"/>
+                <a:ea typeface="Meiryo"/>
+                <a:cs typeface="Helvetica Neue"/>
+                <a:sym typeface="Helvetica Neue"/>
+              </a:rPr>
+              <a:t>基礎も理解する</a:t>
+            </a:r>
+            <a:br>
+              <a:rPr lang="en-US" altLang="ja-JP" sz="11700" dirty="0">
                 <a:latin typeface="Meiryo" panose="020B0604030504040204" pitchFamily="34" charset="-128"/>
                 <a:ea typeface="Meiryo" panose="020B0604030504040204" pitchFamily="34" charset="-128"/>
                 <a:cs typeface="Helvetica Neue"/>
-                <a:sym typeface="Helvetica Neue"/>
               </a:rPr>
-              <a:t>基礎から理解する</a:t>
-            </a:r>
-            <a:br>
-              <a:rPr lang="en-US" altLang="ja-JP" sz="11733" dirty="0">
+            </a:br>
+            <a:r>
+              <a:rPr lang="en-US" altLang="ja-JP" sz="11700" dirty="0">
                 <a:solidFill>
                   <a:schemeClr val="bg1">
                     <a:lumMod val="10000"/>
                     <a:lumOff val="90000"/>
                   </a:schemeClr>
                 </a:solidFill>
-                <a:latin typeface="Meiryo" panose="020B0604030504040204" pitchFamily="34" charset="-128"/>
-                <a:ea typeface="Meiryo" panose="020B0604030504040204" pitchFamily="34" charset="-128"/>
-                <a:cs typeface="Helvetica Neue"/>
-                <a:sym typeface="Helvetica Neue"/>
-              </a:rPr>
-            </a:br>
-            <a:r>
-              <a:rPr lang="en-US" altLang="ja-JP" sz="11733" dirty="0">
-                <a:solidFill>
-                  <a:schemeClr val="bg1">
-                    <a:lumMod val="10000"/>
-                    <a:lumOff val="90000"/>
-                  </a:schemeClr>
-                </a:solidFill>
-                <a:latin typeface="Meiryo" panose="020B0604030504040204" pitchFamily="34" charset="-128"/>
-                <a:ea typeface="Meiryo" panose="020B0604030504040204" pitchFamily="34" charset="-128"/>
+                <a:latin typeface="Meiryo"/>
+                <a:ea typeface="Meiryo"/>
                 <a:cs typeface="Helvetica Neue"/>
                 <a:sym typeface="Helvetica Neue"/>
               </a:rPr>
               <a:t>GitHub</a:t>
             </a:r>
-            <a:endParaRPr lang="en-US" sz="11733" dirty="0">
+            <a:endParaRPr lang="en-US" sz="11700" dirty="0">
               <a:solidFill>
                 <a:schemeClr val="bg1">
                   <a:lumMod val="10000"/>
                   <a:lumOff val="90000"/>
                 </a:schemeClr>
               </a:solidFill>
-              <a:latin typeface="Meiryo" panose="020B0604030504040204" pitchFamily="34" charset="-128"/>
-              <a:ea typeface="Meiryo" panose="020B0604030504040204" pitchFamily="34" charset="-128"/>
+              <a:latin typeface="Meiryo"/>
+              <a:ea typeface="Meiryo"/>
               <a:cs typeface="Helvetica Neue"/>
               <a:sym typeface="Helvetica Neue"/>
             </a:endParaRPr>
@@ -6702,12 +6695,12 @@
                     <a:lumOff val="90000"/>
                   </a:schemeClr>
                 </a:solidFill>
-                <a:latin typeface="Meiryo" panose="020B0604030504040204" pitchFamily="34" charset="-128"/>
-                <a:ea typeface="Meiryo" panose="020B0604030504040204" pitchFamily="34" charset="-128"/>
+                <a:latin typeface="Meiryo"/>
+                <a:ea typeface="Meiryo"/>
                 <a:cs typeface="Helvetica Neue"/>
                 <a:sym typeface="Helvetica Neue"/>
               </a:rPr>
-              <a:t>2019/06/26</a:t>
+              <a:t>2019/06/29</a:t>
             </a:r>
             <a:endParaRPr sz="4800" dirty="0">
               <a:solidFill>
